--- a/SE2021-G003-实现/SE2021-G003-实现汇报.pptx
+++ b/SE2021-G003-实现/SE2021-G003-实现汇报.pptx
@@ -22,41 +22,42 @@
     <p:sldId id="696" r:id="rId16"/>
     <p:sldId id="697" r:id="rId17"/>
     <p:sldId id="698" r:id="rId18"/>
-    <p:sldId id="699" r:id="rId19"/>
-    <p:sldId id="700" r:id="rId20"/>
-    <p:sldId id="703" r:id="rId21"/>
-    <p:sldId id="704" r:id="rId22"/>
-    <p:sldId id="701" r:id="rId23"/>
-    <p:sldId id="643" r:id="rId24"/>
-    <p:sldId id="673" r:id="rId25"/>
-    <p:sldId id="671" r:id="rId26"/>
-    <p:sldId id="660" r:id="rId27"/>
-    <p:sldId id="663" r:id="rId28"/>
+    <p:sldId id="705" r:id="rId19"/>
+    <p:sldId id="699" r:id="rId20"/>
+    <p:sldId id="700" r:id="rId21"/>
+    <p:sldId id="703" r:id="rId22"/>
+    <p:sldId id="704" r:id="rId23"/>
+    <p:sldId id="701" r:id="rId24"/>
+    <p:sldId id="643" r:id="rId25"/>
+    <p:sldId id="673" r:id="rId26"/>
+    <p:sldId id="671" r:id="rId27"/>
+    <p:sldId id="660" r:id="rId28"/>
+    <p:sldId id="663" r:id="rId29"/>
   </p:sldIdLst>
   <p:sldSz cx="12192000" cy="6858000"/>
   <p:notesSz cx="6858000" cy="9144000"/>
   <p:embeddedFontLst>
     <p:embeddedFont>
       <p:font typeface="汉仪大宋简" panose="02010600030101010101" charset="-122"/>
-      <p:regular r:id="rId29"/>
+      <p:regular r:id="rId30"/>
     </p:embeddedFont>
     <p:embeddedFont>
       <p:font typeface="汉仪中等线简" panose="02010600030101010101" charset="-122"/>
-      <p:regular r:id="rId30"/>
+      <p:regular r:id="rId31"/>
     </p:embeddedFont>
     <p:embeddedFont>
       <p:font typeface="Arial Black" panose="020B0A04020102020204" pitchFamily="34" charset="0"/>
-      <p:regular r:id="rId31"/>
-      <p:bold r:id="rId32"/>
+      <p:regular r:id="rId32"/>
+      <p:bold r:id="rId33"/>
     </p:embeddedFont>
     <p:embeddedFont>
       <p:font typeface="等线" panose="02010600030101010101" pitchFamily="2" charset="-122"/>
-      <p:regular r:id="rId33"/>
-      <p:bold r:id="rId34"/>
+      <p:regular r:id="rId34"/>
+      <p:bold r:id="rId35"/>
     </p:embeddedFont>
     <p:embeddedFont>
       <p:font typeface="华文细黑" panose="02010600040101010101" pitchFamily="2" charset="-122"/>
-      <p:regular r:id="rId35"/>
+      <p:regular r:id="rId36"/>
     </p:embeddedFont>
   </p:embeddedFontLst>
   <p:defaultTextStyle>
@@ -176,6 +177,7 @@
             <p14:sldId id="696"/>
             <p14:sldId id="697"/>
             <p14:sldId id="698"/>
+            <p14:sldId id="705"/>
             <p14:sldId id="699"/>
             <p14:sldId id="700"/>
             <p14:sldId id="703"/>
@@ -5301,10 +5303,10 @@
       </p:pic>
       <p:pic>
         <p:nvPicPr>
-          <p:cNvPr id="3" name="图片 2">
+          <p:cNvPr id="4" name="图片 3">
             <a:extLst>
               <a:ext uri="{FF2B5EF4-FFF2-40B4-BE49-F238E27FC236}">
-                <a16:creationId xmlns:a16="http://schemas.microsoft.com/office/drawing/2014/main" id="{46E07364-2837-4DAC-9BB9-DA6E7C7970BB}"/>
+                <a16:creationId xmlns:a16="http://schemas.microsoft.com/office/drawing/2014/main" id="{771390C1-860D-4971-BDEE-4B3939204019}"/>
               </a:ext>
             </a:extLst>
           </p:cNvPr>
@@ -5321,8 +5323,38 @@
         </p:blipFill>
         <p:spPr>
           <a:xfrm>
-            <a:off x="1322739" y="757986"/>
-            <a:ext cx="9018049" cy="5104931"/>
+            <a:off x="1028700" y="1182757"/>
+            <a:ext cx="8771495" cy="1727006"/>
+          </a:xfrm>
+          <a:prstGeom prst="rect">
+            <a:avLst/>
+          </a:prstGeom>
+        </p:spPr>
+      </p:pic>
+      <p:pic>
+        <p:nvPicPr>
+          <p:cNvPr id="7" name="图片 6">
+            <a:extLst>
+              <a:ext uri="{FF2B5EF4-FFF2-40B4-BE49-F238E27FC236}">
+                <a16:creationId xmlns:a16="http://schemas.microsoft.com/office/drawing/2014/main" id="{7BC9559A-78CA-462D-BC83-A63B7EE2F39B}"/>
+              </a:ext>
+            </a:extLst>
+          </p:cNvPr>
+          <p:cNvPicPr>
+            <a:picLocks noChangeAspect="1"/>
+          </p:cNvPicPr>
+          <p:nvPr/>
+        </p:nvPicPr>
+        <p:blipFill>
+          <a:blip r:embed="rId4"/>
+          <a:stretch>
+            <a:fillRect/>
+          </a:stretch>
+        </p:blipFill>
+        <p:spPr>
+          <a:xfrm>
+            <a:off x="1028700" y="3621490"/>
+            <a:ext cx="8532743" cy="2053753"/>
           </a:xfrm>
           <a:prstGeom prst="rect">
             <a:avLst/>
@@ -5332,7 +5364,7 @@
     </p:spTree>
     <p:extLst>
       <p:ext uri="{BB962C8B-B14F-4D97-AF65-F5344CB8AC3E}">
-        <p14:creationId xmlns:p14="http://schemas.microsoft.com/office/powerpoint/2010/main" val="1892473333"/>
+        <p14:creationId xmlns:p14="http://schemas.microsoft.com/office/powerpoint/2010/main" val="1400908862"/>
       </p:ext>
     </p:extLst>
   </p:cSld>
@@ -5433,10 +5465,10 @@
       </p:pic>
       <p:pic>
         <p:nvPicPr>
-          <p:cNvPr id="4" name="图片 3">
+          <p:cNvPr id="3" name="图片 2">
             <a:extLst>
               <a:ext uri="{FF2B5EF4-FFF2-40B4-BE49-F238E27FC236}">
-                <a16:creationId xmlns:a16="http://schemas.microsoft.com/office/drawing/2014/main" id="{FD693512-DFBF-4E6F-8728-11443580A708}"/>
+                <a16:creationId xmlns:a16="http://schemas.microsoft.com/office/drawing/2014/main" id="{46E07364-2837-4DAC-9BB9-DA6E7C7970BB}"/>
               </a:ext>
             </a:extLst>
           </p:cNvPr>
@@ -5453,8 +5485,8 @@
         </p:blipFill>
         <p:spPr>
           <a:xfrm>
-            <a:off x="1027819" y="1284195"/>
-            <a:ext cx="10136362" cy="4571180"/>
+            <a:off x="1322739" y="757986"/>
+            <a:ext cx="9018049" cy="5104931"/>
           </a:xfrm>
           <a:prstGeom prst="rect">
             <a:avLst/>
@@ -5464,7 +5496,7 @@
     </p:spTree>
     <p:extLst>
       <p:ext uri="{BB962C8B-B14F-4D97-AF65-F5344CB8AC3E}">
-        <p14:creationId xmlns:p14="http://schemas.microsoft.com/office/powerpoint/2010/main" val="2829116784"/>
+        <p14:creationId xmlns:p14="http://schemas.microsoft.com/office/powerpoint/2010/main" val="1892473333"/>
       </p:ext>
     </p:extLst>
   </p:cSld>
@@ -6789,6 +6821,138 @@
           <a:chExt cx="0" cy="0"/>
         </a:xfrm>
       </p:grpSpPr>
+      <p:pic>
+        <p:nvPicPr>
+          <p:cNvPr id="39" name="Picture 4">
+            <a:extLst>
+              <a:ext uri="{FF2B5EF4-FFF2-40B4-BE49-F238E27FC236}">
+                <a16:creationId xmlns:a16="http://schemas.microsoft.com/office/drawing/2014/main" id="{DE3B5CC2-AC5C-4E66-A2A9-A043DA896552}"/>
+              </a:ext>
+            </a:extLst>
+          </p:cNvPr>
+          <p:cNvPicPr>
+            <a:picLocks noChangeAspect="1" noChangeArrowheads="1"/>
+          </p:cNvPicPr>
+          <p:nvPr/>
+        </p:nvPicPr>
+        <p:blipFill>
+          <a:blip r:embed="rId2" cstate="print">
+            <a:extLst>
+              <a:ext uri="{28A0092B-C50C-407E-A947-70E740481C1C}">
+                <a14:useLocalDpi xmlns:a14="http://schemas.microsoft.com/office/drawing/2010/main" val="0"/>
+              </a:ext>
+            </a:extLst>
+          </a:blip>
+          <a:srcRect/>
+          <a:stretch>
+            <a:fillRect/>
+          </a:stretch>
+        </p:blipFill>
+        <p:spPr bwMode="auto">
+          <a:xfrm>
+            <a:off x="11019722" y="5734618"/>
+            <a:ext cx="759333" cy="726869"/>
+          </a:xfrm>
+          <a:prstGeom prst="rect">
+            <a:avLst/>
+          </a:prstGeom>
+          <a:noFill/>
+          <a:ln>
+            <a:noFill/>
+          </a:ln>
+          <a:extLst>
+            <a:ext uri="{909E8E84-426E-40DD-AFC4-6F175D3DCCD1}">
+              <a14:hiddenFill xmlns:a14="http://schemas.microsoft.com/office/drawing/2010/main">
+                <a:solidFill>
+                  <a:srgbClr val="FFFFFF"/>
+                </a:solidFill>
+              </a14:hiddenFill>
+            </a:ext>
+            <a:ext uri="{91240B29-F687-4F45-9708-019B960494DF}">
+              <a14:hiddenLine xmlns:a14="http://schemas.microsoft.com/office/drawing/2010/main" w="9525">
+                <a:solidFill>
+                  <a:srgbClr val="000000"/>
+                </a:solidFill>
+                <a:miter lim="800000"/>
+                <a:headEnd/>
+                <a:tailEnd/>
+              </a14:hiddenLine>
+            </a:ext>
+          </a:extLst>
+        </p:spPr>
+      </p:pic>
+      <p:pic>
+        <p:nvPicPr>
+          <p:cNvPr id="4" name="图片 3">
+            <a:extLst>
+              <a:ext uri="{FF2B5EF4-FFF2-40B4-BE49-F238E27FC236}">
+                <a16:creationId xmlns:a16="http://schemas.microsoft.com/office/drawing/2014/main" id="{FD693512-DFBF-4E6F-8728-11443580A708}"/>
+              </a:ext>
+            </a:extLst>
+          </p:cNvPr>
+          <p:cNvPicPr>
+            <a:picLocks noChangeAspect="1"/>
+          </p:cNvPicPr>
+          <p:nvPr/>
+        </p:nvPicPr>
+        <p:blipFill>
+          <a:blip r:embed="rId3"/>
+          <a:stretch>
+            <a:fillRect/>
+          </a:stretch>
+        </p:blipFill>
+        <p:spPr>
+          <a:xfrm>
+            <a:off x="1027819" y="1284195"/>
+            <a:ext cx="10136362" cy="4571180"/>
+          </a:xfrm>
+          <a:prstGeom prst="rect">
+            <a:avLst/>
+          </a:prstGeom>
+        </p:spPr>
+      </p:pic>
+    </p:spTree>
+    <p:extLst>
+      <p:ext uri="{BB962C8B-B14F-4D97-AF65-F5344CB8AC3E}">
+        <p14:creationId xmlns:p14="http://schemas.microsoft.com/office/powerpoint/2010/main" val="2829116784"/>
+      </p:ext>
+    </p:extLst>
+  </p:cSld>
+  <p:clrMapOvr>
+    <a:masterClrMapping/>
+  </p:clrMapOvr>
+  <mc:AlternateContent xmlns:mc="http://schemas.openxmlformats.org/markup-compatibility/2006" xmlns:p14="http://schemas.microsoft.com/office/powerpoint/2010/main">
+    <mc:Choice Requires="p14">
+      <p:transition spd="med" p14:dur="700">
+        <p:fade/>
+      </p:transition>
+    </mc:Choice>
+    <mc:Fallback xmlns="">
+      <p:transition spd="med">
+        <p:fade/>
+      </p:transition>
+    </mc:Fallback>
+  </mc:AlternateContent>
+</p:sld>
+</file>
+
+<file path=ppt/slides/slide21.xml><?xml version="1.0" encoding="utf-8"?>
+<p:sld xmlns:a="http://schemas.openxmlformats.org/drawingml/2006/main" xmlns:r="http://schemas.openxmlformats.org/officeDocument/2006/relationships" xmlns:p="http://schemas.openxmlformats.org/presentationml/2006/main">
+  <p:cSld>
+    <p:spTree>
+      <p:nvGrpSpPr>
+        <p:cNvPr id="1" name=""/>
+        <p:cNvGrpSpPr/>
+        <p:nvPr/>
+      </p:nvGrpSpPr>
+      <p:grpSpPr>
+        <a:xfrm>
+          <a:off x="0" y="0"/>
+          <a:ext cx="0" cy="0"/>
+          <a:chOff x="0" y="0"/>
+          <a:chExt cx="0" cy="0"/>
+        </a:xfrm>
+      </p:grpSpPr>
       <p:sp>
         <p:nvSpPr>
           <p:cNvPr id="16" name="文本占位符 15"/>
@@ -7240,208 +7404,6 @@
     <p:extLst>
       <p:ext uri="{BB962C8B-B14F-4D97-AF65-F5344CB8AC3E}">
         <p14:creationId xmlns:p14="http://schemas.microsoft.com/office/powerpoint/2010/main" val="1059739981"/>
-      </p:ext>
-    </p:extLst>
-  </p:cSld>
-  <p:clrMapOvr>
-    <a:masterClrMapping/>
-  </p:clrMapOvr>
-  <mc:AlternateContent xmlns:mc="http://schemas.openxmlformats.org/markup-compatibility/2006" xmlns:p14="http://schemas.microsoft.com/office/powerpoint/2010/main">
-    <mc:Choice Requires="p14">
-      <p:transition spd="med" p14:dur="700">
-        <p:fade/>
-      </p:transition>
-    </mc:Choice>
-    <mc:Fallback xmlns="">
-      <p:transition spd="med">
-        <p:fade/>
-      </p:transition>
-    </mc:Fallback>
-  </mc:AlternateContent>
-</p:sld>
-</file>
-
-<file path=ppt/slides/slide21.xml><?xml version="1.0" encoding="utf-8"?>
-<p:sld xmlns:a="http://schemas.openxmlformats.org/drawingml/2006/main" xmlns:r="http://schemas.openxmlformats.org/officeDocument/2006/relationships" xmlns:p="http://schemas.openxmlformats.org/presentationml/2006/main">
-  <p:cSld>
-    <p:spTree>
-      <p:nvGrpSpPr>
-        <p:cNvPr id="1" name=""/>
-        <p:cNvGrpSpPr/>
-        <p:nvPr/>
-      </p:nvGrpSpPr>
-      <p:grpSpPr>
-        <a:xfrm>
-          <a:off x="0" y="0"/>
-          <a:ext cx="0" cy="0"/>
-          <a:chOff x="0" y="0"/>
-          <a:chExt cx="0" cy="0"/>
-        </a:xfrm>
-      </p:grpSpPr>
-      <p:pic>
-        <p:nvPicPr>
-          <p:cNvPr id="39" name="Picture 4">
-            <a:extLst>
-              <a:ext uri="{FF2B5EF4-FFF2-40B4-BE49-F238E27FC236}">
-                <a16:creationId xmlns:a16="http://schemas.microsoft.com/office/drawing/2014/main" id="{DE3B5CC2-AC5C-4E66-A2A9-A043DA896552}"/>
-              </a:ext>
-            </a:extLst>
-          </p:cNvPr>
-          <p:cNvPicPr>
-            <a:picLocks noChangeAspect="1" noChangeArrowheads="1"/>
-          </p:cNvPicPr>
-          <p:nvPr/>
-        </p:nvPicPr>
-        <p:blipFill>
-          <a:blip r:embed="rId2" cstate="print">
-            <a:extLst>
-              <a:ext uri="{28A0092B-C50C-407E-A947-70E740481C1C}">
-                <a14:useLocalDpi xmlns:a14="http://schemas.microsoft.com/office/drawing/2010/main" val="0"/>
-              </a:ext>
-            </a:extLst>
-          </a:blip>
-          <a:srcRect/>
-          <a:stretch>
-            <a:fillRect/>
-          </a:stretch>
-        </p:blipFill>
-        <p:spPr bwMode="auto">
-          <a:xfrm>
-            <a:off x="11019722" y="5734618"/>
-            <a:ext cx="759333" cy="726869"/>
-          </a:xfrm>
-          <a:prstGeom prst="rect">
-            <a:avLst/>
-          </a:prstGeom>
-          <a:noFill/>
-          <a:ln>
-            <a:noFill/>
-          </a:ln>
-          <a:extLst>
-            <a:ext uri="{909E8E84-426E-40DD-AFC4-6F175D3DCCD1}">
-              <a14:hiddenFill xmlns:a14="http://schemas.microsoft.com/office/drawing/2010/main">
-                <a:solidFill>
-                  <a:srgbClr val="FFFFFF"/>
-                </a:solidFill>
-              </a14:hiddenFill>
-            </a:ext>
-            <a:ext uri="{91240B29-F687-4F45-9708-019B960494DF}">
-              <a14:hiddenLine xmlns:a14="http://schemas.microsoft.com/office/drawing/2010/main" w="9525">
-                <a:solidFill>
-                  <a:srgbClr val="000000"/>
-                </a:solidFill>
-                <a:miter lim="800000"/>
-                <a:headEnd/>
-                <a:tailEnd/>
-              </a14:hiddenLine>
-            </a:ext>
-          </a:extLst>
-        </p:spPr>
-      </p:pic>
-      <p:sp>
-        <p:nvSpPr>
-          <p:cNvPr id="6" name="文本框 5">
-            <a:extLst>
-              <a:ext uri="{FF2B5EF4-FFF2-40B4-BE49-F238E27FC236}">
-                <a16:creationId xmlns:a16="http://schemas.microsoft.com/office/drawing/2014/main" id="{EF8EE708-5BBD-40E5-8D2C-128A00763B27}"/>
-              </a:ext>
-            </a:extLst>
-          </p:cNvPr>
-          <p:cNvSpPr txBox="1"/>
-          <p:nvPr/>
-        </p:nvSpPr>
-        <p:spPr>
-          <a:xfrm>
-            <a:off x="7051459" y="795737"/>
-            <a:ext cx="2937140" cy="369332"/>
-          </a:xfrm>
-          <a:prstGeom prst="rect">
-            <a:avLst/>
-          </a:prstGeom>
-          <a:noFill/>
-        </p:spPr>
-        <p:txBody>
-          <a:bodyPr wrap="square" rtlCol="0">
-            <a:spAutoFit/>
-          </a:bodyPr>
-          <a:lstStyle/>
-          <a:p>
-            <a:r>
-              <a:rPr lang="zh-CN" altLang="en-US" dirty="0"/>
-              <a:t>用户做题功能的流程图</a:t>
-            </a:r>
-          </a:p>
-        </p:txBody>
-      </p:sp>
-      <p:sp>
-        <p:nvSpPr>
-          <p:cNvPr id="7" name="文本框 6">
-            <a:extLst>
-              <a:ext uri="{FF2B5EF4-FFF2-40B4-BE49-F238E27FC236}">
-                <a16:creationId xmlns:a16="http://schemas.microsoft.com/office/drawing/2014/main" id="{5B4E3DE9-F063-401C-BBA2-FE6B4CD20491}"/>
-              </a:ext>
-            </a:extLst>
-          </p:cNvPr>
-          <p:cNvSpPr txBox="1"/>
-          <p:nvPr/>
-        </p:nvSpPr>
-        <p:spPr>
-          <a:xfrm>
-            <a:off x="7147676" y="1493753"/>
-            <a:ext cx="2373252" cy="369332"/>
-          </a:xfrm>
-          <a:prstGeom prst="rect">
-            <a:avLst/>
-          </a:prstGeom>
-          <a:noFill/>
-        </p:spPr>
-        <p:txBody>
-          <a:bodyPr wrap="square" rtlCol="0">
-            <a:spAutoFit/>
-          </a:bodyPr>
-          <a:lstStyle/>
-          <a:p>
-            <a:r>
-              <a:rPr lang="zh-CN" altLang="en-US" dirty="0"/>
-              <a:t>编写流程图测试用例</a:t>
-            </a:r>
-          </a:p>
-        </p:txBody>
-      </p:sp>
-      <p:pic>
-        <p:nvPicPr>
-          <p:cNvPr id="9" name="图片 8">
-            <a:extLst>
-              <a:ext uri="{FF2B5EF4-FFF2-40B4-BE49-F238E27FC236}">
-                <a16:creationId xmlns:a16="http://schemas.microsoft.com/office/drawing/2014/main" id="{B8404E05-74F7-4A5E-920A-F5461ADBBE4E}"/>
-              </a:ext>
-            </a:extLst>
-          </p:cNvPr>
-          <p:cNvPicPr>
-            <a:picLocks noChangeAspect="1"/>
-          </p:cNvPicPr>
-          <p:nvPr/>
-        </p:nvPicPr>
-        <p:blipFill>
-          <a:blip r:embed="rId3"/>
-          <a:stretch>
-            <a:fillRect/>
-          </a:stretch>
-        </p:blipFill>
-        <p:spPr>
-          <a:xfrm>
-            <a:off x="1619096" y="572319"/>
-            <a:ext cx="4753783" cy="5231677"/>
-          </a:xfrm>
-          <a:prstGeom prst="rect">
-            <a:avLst/>
-          </a:prstGeom>
-        </p:spPr>
-      </p:pic>
-    </p:spTree>
-    <p:extLst>
-      <p:ext uri="{BB962C8B-B14F-4D97-AF65-F5344CB8AC3E}">
-        <p14:creationId xmlns:p14="http://schemas.microsoft.com/office/powerpoint/2010/main" val="777657698"/>
       </p:ext>
     </p:extLst>
   </p:cSld>
@@ -7540,6 +7502,208 @@
           </a:extLst>
         </p:spPr>
       </p:pic>
+      <p:sp>
+        <p:nvSpPr>
+          <p:cNvPr id="6" name="文本框 5">
+            <a:extLst>
+              <a:ext uri="{FF2B5EF4-FFF2-40B4-BE49-F238E27FC236}">
+                <a16:creationId xmlns:a16="http://schemas.microsoft.com/office/drawing/2014/main" id="{EF8EE708-5BBD-40E5-8D2C-128A00763B27}"/>
+              </a:ext>
+            </a:extLst>
+          </p:cNvPr>
+          <p:cNvSpPr txBox="1"/>
+          <p:nvPr/>
+        </p:nvSpPr>
+        <p:spPr>
+          <a:xfrm>
+            <a:off x="7051459" y="795737"/>
+            <a:ext cx="2937140" cy="369332"/>
+          </a:xfrm>
+          <a:prstGeom prst="rect">
+            <a:avLst/>
+          </a:prstGeom>
+          <a:noFill/>
+        </p:spPr>
+        <p:txBody>
+          <a:bodyPr wrap="square" rtlCol="0">
+            <a:spAutoFit/>
+          </a:bodyPr>
+          <a:lstStyle/>
+          <a:p>
+            <a:r>
+              <a:rPr lang="zh-CN" altLang="en-US" dirty="0"/>
+              <a:t>用户做题功能的流程图</a:t>
+            </a:r>
+          </a:p>
+        </p:txBody>
+      </p:sp>
+      <p:sp>
+        <p:nvSpPr>
+          <p:cNvPr id="7" name="文本框 6">
+            <a:extLst>
+              <a:ext uri="{FF2B5EF4-FFF2-40B4-BE49-F238E27FC236}">
+                <a16:creationId xmlns:a16="http://schemas.microsoft.com/office/drawing/2014/main" id="{5B4E3DE9-F063-401C-BBA2-FE6B4CD20491}"/>
+              </a:ext>
+            </a:extLst>
+          </p:cNvPr>
+          <p:cNvSpPr txBox="1"/>
+          <p:nvPr/>
+        </p:nvSpPr>
+        <p:spPr>
+          <a:xfrm>
+            <a:off x="7147676" y="1493753"/>
+            <a:ext cx="2373252" cy="369332"/>
+          </a:xfrm>
+          <a:prstGeom prst="rect">
+            <a:avLst/>
+          </a:prstGeom>
+          <a:noFill/>
+        </p:spPr>
+        <p:txBody>
+          <a:bodyPr wrap="square" rtlCol="0">
+            <a:spAutoFit/>
+          </a:bodyPr>
+          <a:lstStyle/>
+          <a:p>
+            <a:r>
+              <a:rPr lang="zh-CN" altLang="en-US" dirty="0"/>
+              <a:t>编写流程图测试用例</a:t>
+            </a:r>
+          </a:p>
+        </p:txBody>
+      </p:sp>
+      <p:pic>
+        <p:nvPicPr>
+          <p:cNvPr id="9" name="图片 8">
+            <a:extLst>
+              <a:ext uri="{FF2B5EF4-FFF2-40B4-BE49-F238E27FC236}">
+                <a16:creationId xmlns:a16="http://schemas.microsoft.com/office/drawing/2014/main" id="{B8404E05-74F7-4A5E-920A-F5461ADBBE4E}"/>
+              </a:ext>
+            </a:extLst>
+          </p:cNvPr>
+          <p:cNvPicPr>
+            <a:picLocks noChangeAspect="1"/>
+          </p:cNvPicPr>
+          <p:nvPr/>
+        </p:nvPicPr>
+        <p:blipFill>
+          <a:blip r:embed="rId3"/>
+          <a:stretch>
+            <a:fillRect/>
+          </a:stretch>
+        </p:blipFill>
+        <p:spPr>
+          <a:xfrm>
+            <a:off x="1619096" y="572319"/>
+            <a:ext cx="4753783" cy="5231677"/>
+          </a:xfrm>
+          <a:prstGeom prst="rect">
+            <a:avLst/>
+          </a:prstGeom>
+        </p:spPr>
+      </p:pic>
+    </p:spTree>
+    <p:extLst>
+      <p:ext uri="{BB962C8B-B14F-4D97-AF65-F5344CB8AC3E}">
+        <p14:creationId xmlns:p14="http://schemas.microsoft.com/office/powerpoint/2010/main" val="777657698"/>
+      </p:ext>
+    </p:extLst>
+  </p:cSld>
+  <p:clrMapOvr>
+    <a:masterClrMapping/>
+  </p:clrMapOvr>
+  <mc:AlternateContent xmlns:mc="http://schemas.openxmlformats.org/markup-compatibility/2006" xmlns:p14="http://schemas.microsoft.com/office/powerpoint/2010/main">
+    <mc:Choice Requires="p14">
+      <p:transition spd="med" p14:dur="700">
+        <p:fade/>
+      </p:transition>
+    </mc:Choice>
+    <mc:Fallback xmlns="">
+      <p:transition spd="med">
+        <p:fade/>
+      </p:transition>
+    </mc:Fallback>
+  </mc:AlternateContent>
+</p:sld>
+</file>
+
+<file path=ppt/slides/slide23.xml><?xml version="1.0" encoding="utf-8"?>
+<p:sld xmlns:a="http://schemas.openxmlformats.org/drawingml/2006/main" xmlns:r="http://schemas.openxmlformats.org/officeDocument/2006/relationships" xmlns:p="http://schemas.openxmlformats.org/presentationml/2006/main">
+  <p:cSld>
+    <p:spTree>
+      <p:nvGrpSpPr>
+        <p:cNvPr id="1" name=""/>
+        <p:cNvGrpSpPr/>
+        <p:nvPr/>
+      </p:nvGrpSpPr>
+      <p:grpSpPr>
+        <a:xfrm>
+          <a:off x="0" y="0"/>
+          <a:ext cx="0" cy="0"/>
+          <a:chOff x="0" y="0"/>
+          <a:chExt cx="0" cy="0"/>
+        </a:xfrm>
+      </p:grpSpPr>
+      <p:pic>
+        <p:nvPicPr>
+          <p:cNvPr id="39" name="Picture 4">
+            <a:extLst>
+              <a:ext uri="{FF2B5EF4-FFF2-40B4-BE49-F238E27FC236}">
+                <a16:creationId xmlns:a16="http://schemas.microsoft.com/office/drawing/2014/main" id="{DE3B5CC2-AC5C-4E66-A2A9-A043DA896552}"/>
+              </a:ext>
+            </a:extLst>
+          </p:cNvPr>
+          <p:cNvPicPr>
+            <a:picLocks noChangeAspect="1" noChangeArrowheads="1"/>
+          </p:cNvPicPr>
+          <p:nvPr/>
+        </p:nvPicPr>
+        <p:blipFill>
+          <a:blip r:embed="rId2" cstate="print">
+            <a:extLst>
+              <a:ext uri="{28A0092B-C50C-407E-A947-70E740481C1C}">
+                <a14:useLocalDpi xmlns:a14="http://schemas.microsoft.com/office/drawing/2010/main" val="0"/>
+              </a:ext>
+            </a:extLst>
+          </a:blip>
+          <a:srcRect/>
+          <a:stretch>
+            <a:fillRect/>
+          </a:stretch>
+        </p:blipFill>
+        <p:spPr bwMode="auto">
+          <a:xfrm>
+            <a:off x="11019722" y="5734618"/>
+            <a:ext cx="759333" cy="726869"/>
+          </a:xfrm>
+          <a:prstGeom prst="rect">
+            <a:avLst/>
+          </a:prstGeom>
+          <a:noFill/>
+          <a:ln>
+            <a:noFill/>
+          </a:ln>
+          <a:extLst>
+            <a:ext uri="{909E8E84-426E-40DD-AFC4-6F175D3DCCD1}">
+              <a14:hiddenFill xmlns:a14="http://schemas.microsoft.com/office/drawing/2010/main">
+                <a:solidFill>
+                  <a:srgbClr val="FFFFFF"/>
+                </a:solidFill>
+              </a14:hiddenFill>
+            </a:ext>
+            <a:ext uri="{91240B29-F687-4F45-9708-019B960494DF}">
+              <a14:hiddenLine xmlns:a14="http://schemas.microsoft.com/office/drawing/2010/main" w="9525">
+                <a:solidFill>
+                  <a:srgbClr val="000000"/>
+                </a:solidFill>
+                <a:miter lim="800000"/>
+                <a:headEnd/>
+                <a:tailEnd/>
+              </a14:hiddenLine>
+            </a:ext>
+          </a:extLst>
+        </p:spPr>
+      </p:pic>
       <p:pic>
         <p:nvPicPr>
           <p:cNvPr id="3" name="图片 2">
@@ -7595,7 +7759,7 @@
 </p:sld>
 </file>
 
-<file path=ppt/slides/slide23.xml><?xml version="1.0" encoding="utf-8"?>
+<file path=ppt/slides/slide24.xml><?xml version="1.0" encoding="utf-8"?>
 <p:sld xmlns:a="http://schemas.openxmlformats.org/drawingml/2006/main" xmlns:r="http://schemas.openxmlformats.org/officeDocument/2006/relationships" xmlns:p="http://schemas.openxmlformats.org/presentationml/2006/main">
   <p:cSld>
     <p:spTree>
@@ -8099,7 +8263,7 @@
 </p:sld>
 </file>
 
-<file path=ppt/slides/slide24.xml><?xml version="1.0" encoding="utf-8"?>
+<file path=ppt/slides/slide25.xml><?xml version="1.0" encoding="utf-8"?>
 <p:sld xmlns:a="http://schemas.openxmlformats.org/drawingml/2006/main" xmlns:r="http://schemas.openxmlformats.org/officeDocument/2006/relationships" xmlns:p="http://schemas.openxmlformats.org/presentationml/2006/main">
   <p:cSld>
     <p:spTree>
@@ -8199,7 +8363,7 @@
 </p:sld>
 </file>
 
-<file path=ppt/slides/slide25.xml><?xml version="1.0" encoding="utf-8"?>
+<file path=ppt/slides/slide26.xml><?xml version="1.0" encoding="utf-8"?>
 <p:sld xmlns:a="http://schemas.openxmlformats.org/drawingml/2006/main" xmlns:r="http://schemas.openxmlformats.org/officeDocument/2006/relationships" xmlns:p="http://schemas.openxmlformats.org/presentationml/2006/main">
   <p:cSld>
     <p:spTree>
@@ -8737,7 +8901,7 @@
 </p:sld>
 </file>
 
-<file path=ppt/slides/slide26.xml><?xml version="1.0" encoding="utf-8"?>
+<file path=ppt/slides/slide27.xml><?xml version="1.0" encoding="utf-8"?>
 <p:sld xmlns:a="http://schemas.openxmlformats.org/drawingml/2006/main" xmlns:r="http://schemas.openxmlformats.org/officeDocument/2006/relationships" xmlns:p="http://schemas.openxmlformats.org/presentationml/2006/main">
   <p:cSld>
     <p:spTree>
@@ -9430,7 +9594,7 @@
 </p:sld>
 </file>
 
-<file path=ppt/slides/slide27.xml><?xml version="1.0" encoding="utf-8"?>
+<file path=ppt/slides/slide28.xml><?xml version="1.0" encoding="utf-8"?>
 <p:sld xmlns:a="http://schemas.openxmlformats.org/drawingml/2006/main" xmlns:r="http://schemas.openxmlformats.org/officeDocument/2006/relationships" xmlns:p="http://schemas.openxmlformats.org/presentationml/2006/main">
   <p:cSld>
     <p:spTree>
